--- a/instructors/13-Repositories_v3.0.pptx
+++ b/instructors/13-Repositories_v3.0.pptx
@@ -635,6 +635,156 @@
 </file>
 
 <file path=ppt/notesSlides/notesSlide2.xml><?xml version="1.0" encoding="utf-8"?>
+<p:notes xmlns:a="http://schemas.openxmlformats.org/drawingml/2006/main" xmlns:r="http://schemas.openxmlformats.org/officeDocument/2006/relationships" xmlns:p="http://schemas.openxmlformats.org/presentationml/2006/main">
+  <p:cSld>
+    <p:spTree>
+      <p:nvGrpSpPr>
+        <p:cNvPr id="1" name=""/>
+        <p:cNvGrpSpPr/>
+        <p:nvPr/>
+      </p:nvGrpSpPr>
+      <p:grpSpPr>
+        <a:xfrm>
+          <a:off x="0" y="0"/>
+          <a:ext cx="0" cy="0"/>
+          <a:chOff x="0" y="0"/>
+          <a:chExt cx="0" cy="0"/>
+        </a:xfrm>
+      </p:grpSpPr>
+      <p:sp>
+        <p:nvSpPr>
+          <p:cNvPr id="2" name="Slide Image Placeholder 1"/>
+          <p:cNvSpPr>
+            <a:spLocks noGrp="1" noRot="1" noChangeAspect="1"/>
+          </p:cNvSpPr>
+          <p:nvPr>
+            <p:ph type="sldImg"/>
+          </p:nvPr>
+        </p:nvSpPr>
+        <p:spPr/>
+      </p:sp>
+      <p:sp>
+        <p:nvSpPr>
+          <p:cNvPr id="3" name="Notes Placeholder 2"/>
+          <p:cNvSpPr>
+            <a:spLocks noGrp="1"/>
+          </p:cNvSpPr>
+          <p:nvPr>
+            <p:ph type="body" idx="1"/>
+          </p:nvPr>
+        </p:nvSpPr>
+        <p:spPr/>
+        <p:txBody>
+          <a:bodyPr/>
+          <a:lstStyle/>
+          <a:p>
+            <a:r>
+              <a:rPr lang="en-GB" dirty="0"/>
+              <a:t>Dryad is an international open-access repository of research data.  It is a </a:t>
+            </a:r>
+            <a:r>
+              <a:rPr lang="en-GB" dirty="0" err="1"/>
+              <a:t>nonprofit</a:t>
+            </a:r>
+            <a:r>
+              <a:rPr lang="en-GB" dirty="0"/>
+              <a:t> organization that provides long-term access to its contents at no cost to users. The base DPC per data submission is $120 USD. Access is free.</a:t>
+            </a:r>
+          </a:p>
+          <a:p>
+            <a:endParaRPr lang="en-GB" dirty="0"/>
+          </a:p>
+          <a:p>
+            <a:r>
+              <a:rPr lang="en-GB" dirty="0" err="1"/>
+              <a:t>Zenodo</a:t>
+            </a:r>
+            <a:r>
+              <a:rPr lang="en-GB" dirty="0"/>
+              <a:t> built and operated by CERN and </a:t>
+            </a:r>
+            <a:r>
+              <a:rPr lang="en-GB" dirty="0" err="1"/>
+              <a:t>OpenAIRE</a:t>
+            </a:r>
+            <a:r>
+              <a:rPr lang="en-GB" dirty="0"/>
+              <a:t> to ensure that everyone can join in Open Science.</a:t>
+            </a:r>
+          </a:p>
+          <a:p>
+            <a:endParaRPr lang="en-GB" dirty="0"/>
+          </a:p>
+          <a:p>
+            <a:r>
+              <a:rPr lang="en-GB" dirty="0" err="1"/>
+              <a:t>Figshare</a:t>
+            </a:r>
+            <a:r>
+              <a:rPr lang="en-GB" dirty="0"/>
+              <a:t> is an online open access repository where researchers can preserve and share their research outputs, including figures, datasets, images, and videos. It is free to upload content and free to access, in adherence to the principle of open data. </a:t>
+            </a:r>
+            <a:r>
+              <a:rPr lang="en-GB" dirty="0" err="1"/>
+              <a:t>Figshare</a:t>
+            </a:r>
+            <a:r>
+              <a:rPr lang="en-GB" dirty="0"/>
+              <a:t> is one of a number of portfolio businesses supported by Digital Science, a subsidiary of Springer Nature.</a:t>
+            </a:r>
+          </a:p>
+          <a:p>
+            <a:endParaRPr lang="en-GB" dirty="0"/>
+          </a:p>
+          <a:p>
+            <a:r>
+              <a:rPr lang="en-GB" dirty="0" err="1"/>
+              <a:t>Dataverse</a:t>
+            </a:r>
+            <a:r>
+              <a:rPr lang="en-GB" dirty="0"/>
+              <a:t> is funded by Harvard with additional support from the Alfred P. Sloan Foundation, National Science Foundation, National Institutes of Health, Helmsley Charitable Trust, IQSS's Henry A. Murray Research Archive, and many others. </a:t>
+            </a:r>
+          </a:p>
+        </p:txBody>
+      </p:sp>
+      <p:sp>
+        <p:nvSpPr>
+          <p:cNvPr id="4" name="Slide Number Placeholder 3"/>
+          <p:cNvSpPr>
+            <a:spLocks noGrp="1"/>
+          </p:cNvSpPr>
+          <p:nvPr>
+            <p:ph type="sldNum" sz="quarter" idx="5"/>
+          </p:nvPr>
+        </p:nvSpPr>
+        <p:spPr/>
+        <p:txBody>
+          <a:bodyPr/>
+          <a:lstStyle/>
+          <a:p>
+            <a:fld id="{B361C124-7373-F149-A166-BB8240B9FE77}" type="slidenum">
+              <a:rPr lang="en-GB" smtClean="0"/>
+              <a:t>5</a:t>
+            </a:fld>
+            <a:endParaRPr lang="en-GB"/>
+          </a:p>
+        </p:txBody>
+      </p:sp>
+    </p:spTree>
+    <p:extLst>
+      <p:ext uri="{BB962C8B-B14F-4D97-AF65-F5344CB8AC3E}">
+        <p14:creationId xmlns:p14="http://schemas.microsoft.com/office/powerpoint/2010/main" val="2742857717"/>
+      </p:ext>
+    </p:extLst>
+  </p:cSld>
+  <p:clrMapOvr>
+    <a:masterClrMapping/>
+  </p:clrMapOvr>
+</p:notes>
+</file>
+
+<file path=ppt/notesSlides/notesSlide3.xml><?xml version="1.0" encoding="utf-8"?>
 <p:notes xmlns:a="http://schemas.openxmlformats.org/drawingml/2006/main" xmlns:r="http://schemas.openxmlformats.org/officeDocument/2006/relationships" xmlns:p="http://schemas.openxmlformats.org/presentationml/2006/main">
   <p:cSld>
     <p:spTree>
@@ -4768,8 +4918,8 @@
         </p:nvSpPr>
         <p:spPr>
           <a:xfrm>
-            <a:off x="1205802" y="2722993"/>
-            <a:ext cx="10158884" cy="1200329"/>
+            <a:off x="838200" y="2649841"/>
+            <a:ext cx="10827702" cy="1200329"/>
           </a:xfrm>
           <a:prstGeom prst="rect">
             <a:avLst/>
@@ -4818,7 +4968,7 @@
                 <a:effectLst/>
                 <a:latin typeface="Ubuntu"/>
               </a:rPr>
-              <a:t>However, it is not good for discovery, and does not enforce most metadata!</a:t>
+              <a:t>However, it is not (always) good for discovery, and does not enforce most metadata!</a:t>
             </a:r>
             <a:endParaRPr lang="en-GB" sz="2400" dirty="0"/>
           </a:p>
@@ -9064,7 +9214,7 @@
           <p:nvPr/>
         </p:nvPicPr>
         <p:blipFill>
-          <a:blip r:embed="rId2" cstate="hqprint">
+          <a:blip r:embed="rId3" cstate="hqprint">
             <a:extLst>
               <a:ext uri="{28A0092B-C50C-407E-A947-70E740481C1C}">
                 <a14:useLocalDpi xmlns:a14="http://schemas.microsoft.com/office/drawing/2010/main" val="0"/>
@@ -9137,7 +9287,7 @@
                 <a:solidFill>
                   <a:srgbClr val="0070C0"/>
                 </a:solidFill>
-                <a:hlinkClick r:id="rId3"/>
+                <a:hlinkClick r:id="rId4"/>
               </a:rPr>
               <a:t>http://datadryad.org</a:t>
             </a:r>
@@ -9192,7 +9342,7 @@
                 <a:solidFill>
                   <a:srgbClr val="0070C0"/>
                 </a:solidFill>
-                <a:hlinkClick r:id="rId4"/>
+                <a:hlinkClick r:id="rId5"/>
               </a:rPr>
               <a:t>http://zenodo.org</a:t>
             </a:r>
@@ -9247,7 +9397,7 @@
                 <a:solidFill>
                   <a:srgbClr val="0070C0"/>
                 </a:solidFill>
-                <a:hlinkClick r:id="rId5"/>
+                <a:hlinkClick r:id="rId6"/>
               </a:rPr>
               <a:t>http://figshare.com</a:t>
             </a:r>
@@ -9302,7 +9452,7 @@
                 <a:solidFill>
                   <a:srgbClr val="0070C0"/>
                 </a:solidFill>
-                <a:hlinkClick r:id="rId6"/>
+                <a:hlinkClick r:id="rId7"/>
               </a:rPr>
               <a:t>http://dataverse.org</a:t>
             </a:r>
@@ -9365,7 +9515,7 @@
           <p:nvPr/>
         </p:nvPicPr>
         <p:blipFill>
-          <a:blip r:embed="rId7">
+          <a:blip r:embed="rId8">
             <a:extLst>
               <a:ext uri="{28A0092B-C50C-407E-A947-70E740481C1C}">
                 <a14:useLocalDpi xmlns:a14="http://schemas.microsoft.com/office/drawing/2010/main" val="0"/>
@@ -9412,7 +9562,7 @@
           <p:nvPr/>
         </p:nvPicPr>
         <p:blipFill>
-          <a:blip r:embed="rId8">
+          <a:blip r:embed="rId9">
             <a:extLst>
               <a:ext uri="{28A0092B-C50C-407E-A947-70E740481C1C}">
                 <a14:useLocalDpi xmlns:a14="http://schemas.microsoft.com/office/drawing/2010/main" val="0"/>
@@ -9459,7 +9609,7 @@
           <p:nvPr/>
         </p:nvPicPr>
         <p:blipFill>
-          <a:blip r:embed="rId9">
+          <a:blip r:embed="rId10">
             <a:extLst>
               <a:ext uri="{28A0092B-C50C-407E-A947-70E740481C1C}">
                 <a14:useLocalDpi xmlns:a14="http://schemas.microsoft.com/office/drawing/2010/main" val="0"/>
@@ -9506,7 +9656,7 @@
           <p:nvPr/>
         </p:nvPicPr>
         <p:blipFill>
-          <a:blip r:embed="rId10">
+          <a:blip r:embed="rId11">
             <a:extLst>
               <a:ext uri="{28A0092B-C50C-407E-A947-70E740481C1C}">
                 <a14:useLocalDpi xmlns:a14="http://schemas.microsoft.com/office/drawing/2010/main" val="0"/>

--- a/instructors/13-Repositories_v3.0.pptx
+++ b/instructors/13-Repositories_v3.0.pptx
@@ -10,7 +10,7 @@
   <p:sldIdLst>
     <p:sldId id="280" r:id="rId2"/>
     <p:sldId id="293" r:id="rId3"/>
-    <p:sldId id="259" r:id="rId4"/>
+    <p:sldId id="320" r:id="rId4"/>
     <p:sldId id="309" r:id="rId5"/>
     <p:sldId id="292" r:id="rId6"/>
     <p:sldId id="310" r:id="rId7"/>
@@ -223,7 +223,7 @@
           <a:p>
             <a:fld id="{585C48AE-4A1E-9A43-835F-510354165F99}" type="datetimeFigureOut">
               <a:rPr lang="en-GB" smtClean="0"/>
-              <a:t>18/02/2022</a:t>
+              <a:t>18/01/2023</a:t>
             </a:fld>
             <a:endParaRPr lang="en-GB"/>
           </a:p>
@@ -1023,7 +1023,7 @@
           <a:p>
             <a:fld id="{5913FB77-D8DB-4AB9-8EA5-EE8C3B57A5E1}" type="datetimeFigureOut">
               <a:rPr lang="en-GB" smtClean="0"/>
-              <a:t>18/02/2022</a:t>
+              <a:t>18/01/2023</a:t>
             </a:fld>
             <a:endParaRPr lang="en-GB"/>
           </a:p>
@@ -1270,7 +1270,7 @@
           <a:p>
             <a:fld id="{5913FB77-D8DB-4AB9-8EA5-EE8C3B57A5E1}" type="datetimeFigureOut">
               <a:rPr lang="en-GB" smtClean="0"/>
-              <a:t>18/02/2022</a:t>
+              <a:t>18/01/2023</a:t>
             </a:fld>
             <a:endParaRPr lang="en-GB"/>
           </a:p>
@@ -1480,7 +1480,7 @@
           <a:p>
             <a:fld id="{5913FB77-D8DB-4AB9-8EA5-EE8C3B57A5E1}" type="datetimeFigureOut">
               <a:rPr lang="en-GB" smtClean="0"/>
-              <a:t>18/02/2022</a:t>
+              <a:t>18/01/2023</a:t>
             </a:fld>
             <a:endParaRPr lang="en-GB"/>
           </a:p>
@@ -1680,7 +1680,7 @@
           <a:p>
             <a:fld id="{5913FB77-D8DB-4AB9-8EA5-EE8C3B57A5E1}" type="datetimeFigureOut">
               <a:rPr lang="en-GB" smtClean="0"/>
-              <a:t>18/02/2022</a:t>
+              <a:t>18/01/2023</a:t>
             </a:fld>
             <a:endParaRPr lang="en-GB"/>
           </a:p>
@@ -1956,7 +1956,7 @@
           <a:p>
             <a:fld id="{5913FB77-D8DB-4AB9-8EA5-EE8C3B57A5E1}" type="datetimeFigureOut">
               <a:rPr lang="en-GB" smtClean="0"/>
-              <a:t>18/02/2022</a:t>
+              <a:t>18/01/2023</a:t>
             </a:fld>
             <a:endParaRPr lang="en-GB"/>
           </a:p>
@@ -2224,7 +2224,7 @@
           <a:p>
             <a:fld id="{5913FB77-D8DB-4AB9-8EA5-EE8C3B57A5E1}" type="datetimeFigureOut">
               <a:rPr lang="en-GB" smtClean="0"/>
-              <a:t>18/02/2022</a:t>
+              <a:t>18/01/2023</a:t>
             </a:fld>
             <a:endParaRPr lang="en-GB"/>
           </a:p>
@@ -2639,7 +2639,7 @@
           <a:p>
             <a:fld id="{5913FB77-D8DB-4AB9-8EA5-EE8C3B57A5E1}" type="datetimeFigureOut">
               <a:rPr lang="en-GB" smtClean="0"/>
-              <a:t>18/02/2022</a:t>
+              <a:t>18/01/2023</a:t>
             </a:fld>
             <a:endParaRPr lang="en-GB"/>
           </a:p>
@@ -2781,7 +2781,7 @@
           <a:p>
             <a:fld id="{5913FB77-D8DB-4AB9-8EA5-EE8C3B57A5E1}" type="datetimeFigureOut">
               <a:rPr lang="en-GB" smtClean="0"/>
-              <a:t>18/02/2022</a:t>
+              <a:t>18/01/2023</a:t>
             </a:fld>
             <a:endParaRPr lang="en-GB"/>
           </a:p>
@@ -2894,7 +2894,7 @@
           <a:p>
             <a:fld id="{5913FB77-D8DB-4AB9-8EA5-EE8C3B57A5E1}" type="datetimeFigureOut">
               <a:rPr lang="en-GB" smtClean="0"/>
-              <a:t>18/02/2022</a:t>
+              <a:t>18/01/2023</a:t>
             </a:fld>
             <a:endParaRPr lang="en-GB"/>
           </a:p>
@@ -3207,7 +3207,7 @@
           <a:p>
             <a:fld id="{5913FB77-D8DB-4AB9-8EA5-EE8C3B57A5E1}" type="datetimeFigureOut">
               <a:rPr lang="en-GB" smtClean="0"/>
-              <a:t>18/02/2022</a:t>
+              <a:t>18/01/2023</a:t>
             </a:fld>
             <a:endParaRPr lang="en-GB"/>
           </a:p>
@@ -3496,7 +3496,7 @@
           <a:p>
             <a:fld id="{5913FB77-D8DB-4AB9-8EA5-EE8C3B57A5E1}" type="datetimeFigureOut">
               <a:rPr lang="en-GB" smtClean="0"/>
-              <a:t>18/02/2022</a:t>
+              <a:t>18/01/2023</a:t>
             </a:fld>
             <a:endParaRPr lang="en-GB"/>
           </a:p>
@@ -3738,7 +3738,7 @@
             <a:fld id="{5913FB77-D8DB-4AB9-8EA5-EE8C3B57A5E1}" type="datetimeFigureOut">
               <a:rPr lang="en-GB" smtClean="0"/>
               <a:pPr/>
-              <a:t>18/02/2022</a:t>
+              <a:t>18/01/2023</a:t>
             </a:fld>
             <a:endParaRPr lang="en-GB"/>
           </a:p>
@@ -4201,102 +4201,6 @@
       </p:grpSpPr>
       <p:sp>
         <p:nvSpPr>
-          <p:cNvPr id="7" name="TextBox 6">
-            <a:extLst>
-              <a:ext uri="{FF2B5EF4-FFF2-40B4-BE49-F238E27FC236}">
-                <a16:creationId xmlns:a16="http://schemas.microsoft.com/office/drawing/2014/main" id="{441D6036-BCDA-4EC7-9653-F205FE226493}"/>
-              </a:ext>
-            </a:extLst>
-          </p:cNvPr>
-          <p:cNvSpPr txBox="1"/>
-          <p:nvPr/>
-        </p:nvSpPr>
-        <p:spPr>
-          <a:xfrm>
-            <a:off x="1092764" y="5835907"/>
-            <a:ext cx="6990079" cy="369332"/>
-          </a:xfrm>
-          <a:prstGeom prst="rect">
-            <a:avLst/>
-          </a:prstGeom>
-          <a:noFill/>
-        </p:spPr>
-        <p:txBody>
-          <a:bodyPr wrap="square">
-            <a:spAutoFit/>
-          </a:bodyPr>
-          <a:lstStyle/>
-          <a:p>
-            <a:r>
-              <a:rPr lang="en-GB" dirty="0"/>
-              <a:t>Open </a:t>
-            </a:r>
-            <a:r>
-              <a:rPr lang="en-GB" dirty="0">
-                <a:hlinkClick r:id="rId2"/>
-              </a:rPr>
-              <a:t>https://pad.carpentries.org/2022-02-18-ed-dash-fair</a:t>
-            </a:r>
-            <a:r>
-              <a:rPr lang="en-GB" dirty="0"/>
-              <a:t> </a:t>
-            </a:r>
-            <a:endParaRPr lang="en-GB" dirty="0">
-              <a:highlight>
-                <a:srgbClr val="FFFF00"/>
-              </a:highlight>
-            </a:endParaRPr>
-          </a:p>
-        </p:txBody>
-      </p:sp>
-      <p:sp>
-        <p:nvSpPr>
-          <p:cNvPr id="8" name="Arrow: Down 7">
-            <a:extLst>
-              <a:ext uri="{FF2B5EF4-FFF2-40B4-BE49-F238E27FC236}">
-                <a16:creationId xmlns:a16="http://schemas.microsoft.com/office/drawing/2014/main" id="{490697C4-1D52-44B3-9145-1E4126021820}"/>
-              </a:ext>
-            </a:extLst>
-          </p:cNvPr>
-          <p:cNvSpPr/>
-          <p:nvPr/>
-        </p:nvSpPr>
-        <p:spPr>
-          <a:xfrm rot="16200000">
-            <a:off x="410999" y="5710180"/>
-            <a:ext cx="469783" cy="620786"/>
-          </a:xfrm>
-          <a:prstGeom prst="downArrow">
-            <a:avLst/>
-          </a:prstGeom>
-        </p:spPr>
-        <p:style>
-          <a:lnRef idx="2">
-            <a:schemeClr val="accent1">
-              <a:shade val="50000"/>
-            </a:schemeClr>
-          </a:lnRef>
-          <a:fillRef idx="1">
-            <a:schemeClr val="accent1"/>
-          </a:fillRef>
-          <a:effectRef idx="0">
-            <a:schemeClr val="accent1"/>
-          </a:effectRef>
-          <a:fontRef idx="minor">
-            <a:schemeClr val="lt1"/>
-          </a:fontRef>
-        </p:style>
-        <p:txBody>
-          <a:bodyPr rtlCol="0" anchor="ctr"/>
-          <a:lstStyle/>
-          <a:p>
-            <a:pPr algn="ctr"/>
-            <a:endParaRPr lang="en-GB"/>
-          </a:p>
-        </p:txBody>
-      </p:sp>
-      <p:sp>
-        <p:nvSpPr>
           <p:cNvPr id="2" name="Rectangle 1"/>
           <p:cNvSpPr/>
           <p:nvPr/>
@@ -4919,7 +4823,7 @@
         <p:spPr>
           <a:xfrm>
             <a:off x="838200" y="2649841"/>
-            <a:ext cx="10827702" cy="1200329"/>
+            <a:ext cx="10827702" cy="1569660"/>
           </a:xfrm>
           <a:prstGeom prst="rect">
             <a:avLst/>
@@ -4957,6 +4861,10 @@
               </a:rPr>
               <a:t> is a good place to keep your data separate from paper. It gives access to all files, allowing you to cite the data as well (or instead of) the paper.</a:t>
             </a:r>
+            <a:r>
+              <a:rPr lang="en-GB" sz="2400" dirty="0"/>
+              <a:t/>
+            </a:r>
             <a:br>
               <a:rPr lang="en-GB" sz="2400" dirty="0"/>
             </a:br>
@@ -4968,7 +4876,37 @@
                 <a:effectLst/>
                 <a:latin typeface="Ubuntu"/>
               </a:rPr>
-              <a:t>However, it is not (always) good for discovery, and does not enforce most metadata!</a:t>
+              <a:t>However, it is not (always) good for discovery, and does not enforce most </a:t>
+            </a:r>
+            <a:r>
+              <a:rPr lang="pl-PL" sz="2400" b="0" i="0" dirty="0" smtClean="0">
+                <a:solidFill>
+                  <a:srgbClr val="333333"/>
+                </a:solidFill>
+                <a:effectLst/>
+                <a:latin typeface="Ubuntu"/>
+              </a:rPr>
+              <a:t>m</a:t>
+            </a:r>
+            <a:r>
+              <a:rPr lang="en-GB" sz="2400" b="0" i="0" dirty="0" err="1" smtClean="0">
+                <a:solidFill>
+                  <a:srgbClr val="333333"/>
+                </a:solidFill>
+                <a:effectLst/>
+                <a:latin typeface="Ubuntu"/>
+              </a:rPr>
+              <a:t>etadata</a:t>
+            </a:r>
+            <a:r>
+              <a:rPr lang="en-GB" sz="2400" b="0" i="0" dirty="0">
+                <a:solidFill>
+                  <a:srgbClr val="333333"/>
+                </a:solidFill>
+                <a:effectLst/>
+                <a:latin typeface="Ubuntu"/>
+              </a:rPr>
+              <a:t>!</a:t>
             </a:r>
             <a:endParaRPr lang="en-GB" sz="2400" dirty="0"/>
           </a:p>
@@ -6992,6 +6930,14 @@
               </a:rPr>
               <a:t>: </a:t>
             </a:r>
+            <a:r>
+              <a:rPr lang="pl-PL" sz="2000" dirty="0">
+                <a:solidFill>
+                  <a:srgbClr val="0070C0"/>
+                </a:solidFill>
+              </a:rPr>
+              <a:t/>
+            </a:r>
             <a:br>
               <a:rPr lang="pl-PL" sz="2000" dirty="0">
                 <a:solidFill>
@@ -7081,6 +7027,14 @@
               </a:rPr>
               <a:t>what can I put in it? </a:t>
             </a:r>
+            <a:r>
+              <a:rPr lang="pl-PL" sz="2000" dirty="0">
+                <a:solidFill>
+                  <a:srgbClr val="0070C0"/>
+                </a:solidFill>
+              </a:rPr>
+              <a:t/>
+            </a:r>
             <a:br>
               <a:rPr lang="pl-PL" sz="2000" dirty="0">
                 <a:solidFill>
@@ -7104,6 +7058,14 @@
               </a:rPr>
               <a:t>s anyone else using it? </a:t>
             </a:r>
+            <a:r>
+              <a:rPr lang="pl-PL" sz="2000" dirty="0">
+                <a:solidFill>
+                  <a:srgbClr val="0070C0"/>
+                </a:solidFill>
+              </a:rPr>
+              <a:t/>
+            </a:r>
             <a:br>
               <a:rPr lang="pl-PL" sz="2000" dirty="0">
                 <a:solidFill>
@@ -7126,6 +7088,14 @@
                 </a:solidFill>
               </a:rPr>
               <a:t>ill others be able to find stuff deposited in it?</a:t>
+            </a:r>
+            <a:r>
+              <a:rPr lang="pl-PL" sz="2000" dirty="0">
+                <a:solidFill>
+                  <a:srgbClr val="0070C0"/>
+                </a:solidFill>
+              </a:rPr>
+              <a:t/>
             </a:r>
             <a:br>
               <a:rPr lang="pl-PL" sz="2000" dirty="0">
@@ -7218,6 +7188,14 @@
                 </a:solidFill>
               </a:rPr>
               <a:t> and process: </a:t>
+            </a:r>
+            <a:r>
+              <a:rPr lang="pl-PL" sz="2000" dirty="0">
+                <a:solidFill>
+                  <a:srgbClr val="0070C0"/>
+                </a:solidFill>
+              </a:rPr>
+              <a:t/>
             </a:r>
             <a:br>
               <a:rPr lang="pl-PL" sz="2000" dirty="0">
@@ -7770,7 +7748,7 @@
         <p:spPr>
           <a:xfrm>
             <a:off x="3802463" y="1431152"/>
-            <a:ext cx="6296130" cy="1938992"/>
+            <a:ext cx="6296130" cy="2308324"/>
           </a:xfrm>
           <a:prstGeom prst="rect">
             <a:avLst/>
@@ -7817,7 +7795,47 @@
                 <a:effectLst/>
                 <a:latin typeface="Ubuntu"/>
               </a:rPr>
-              <a:t> to archive a GitHub repository and issue a DOI for it.</a:t>
+              <a:t> to archive a GitHub </a:t>
+            </a:r>
+            <a:r>
+              <a:rPr lang="en-GB" sz="2400" b="0" i="0" dirty="0" smtClean="0">
+                <a:solidFill>
+                  <a:srgbClr val="333333"/>
+                </a:solidFill>
+                <a:effectLst/>
+                <a:latin typeface="Ubuntu"/>
+              </a:rPr>
+              <a:t>repository</a:t>
+            </a:r>
+            <a:r>
+              <a:rPr lang="pl-PL" sz="2400" b="0" i="0" dirty="0" smtClean="0">
+                <a:solidFill>
+                  <a:srgbClr val="333333"/>
+                </a:solidFill>
+                <a:effectLst/>
+                <a:latin typeface="Ubuntu"/>
+              </a:rPr>
+              <a:t> </a:t>
+            </a:r>
+            <a:r>
+              <a:rPr lang="en-GB" sz="2400" b="0" i="0" dirty="0" smtClean="0">
+                <a:solidFill>
+                  <a:srgbClr val="333333"/>
+                </a:solidFill>
+                <a:effectLst/>
+                <a:latin typeface="Ubuntu"/>
+              </a:rPr>
+              <a:t>and </a:t>
+            </a:r>
+            <a:r>
+              <a:rPr lang="en-GB" sz="2400" b="0" i="0" dirty="0">
+                <a:solidFill>
+                  <a:srgbClr val="333333"/>
+                </a:solidFill>
+                <a:effectLst/>
+                <a:latin typeface="Ubuntu"/>
+              </a:rPr>
+              <a:t>issue a DOI for it.</a:t>
             </a:r>
             <a:endParaRPr lang="en-GB" sz="2400" dirty="0"/>
           </a:p>
@@ -7877,7 +7895,7 @@
           <p:nvPr/>
         </p:nvPicPr>
         <p:blipFill>
-          <a:blip r:embed="rId3">
+          <a:blip r:embed="rId3" cstate="hqprint">
             <a:extLst>
               <a:ext uri="{28A0092B-C50C-407E-A947-70E740481C1C}">
                 <a14:useLocalDpi xmlns:a14="http://schemas.microsoft.com/office/drawing/2010/main" val="0"/>
@@ -7971,7 +7989,7 @@
           <p:nvPr/>
         </p:nvPicPr>
         <p:blipFill>
-          <a:blip r:embed="rId3">
+          <a:blip r:embed="rId3" cstate="hqprint">
             <a:extLst>
               <a:ext uri="{28A0092B-C50C-407E-A947-70E740481C1C}">
                 <a14:useLocalDpi xmlns:a14="http://schemas.microsoft.com/office/drawing/2010/main" val="0"/>
@@ -8018,7 +8036,7 @@
           <p:nvPr/>
         </p:nvPicPr>
         <p:blipFill>
-          <a:blip r:embed="rId3">
+          <a:blip r:embed="rId3" cstate="hqprint">
             <a:extLst>
               <a:ext uri="{28A0092B-C50C-407E-A947-70E740481C1C}">
                 <a14:useLocalDpi xmlns:a14="http://schemas.microsoft.com/office/drawing/2010/main" val="0"/>
@@ -8065,7 +8083,7 @@
           <p:nvPr/>
         </p:nvPicPr>
         <p:blipFill>
-          <a:blip r:embed="rId3">
+          <a:blip r:embed="rId3" cstate="hqprint">
             <a:extLst>
               <a:ext uri="{28A0092B-C50C-407E-A947-70E740481C1C}">
                 <a14:useLocalDpi xmlns:a14="http://schemas.microsoft.com/office/drawing/2010/main" val="0"/>
@@ -8112,7 +8130,7 @@
           <p:nvPr/>
         </p:nvPicPr>
         <p:blipFill>
-          <a:blip r:embed="rId3">
+          <a:blip r:embed="rId3" cstate="hqprint">
             <a:extLst>
               <a:ext uri="{28A0092B-C50C-407E-A947-70E740481C1C}">
                 <a14:useLocalDpi xmlns:a14="http://schemas.microsoft.com/office/drawing/2010/main" val="0"/>
@@ -8159,7 +8177,7 @@
           <p:nvPr/>
         </p:nvPicPr>
         <p:blipFill>
-          <a:blip r:embed="rId3">
+          <a:blip r:embed="rId3" cstate="hqprint">
             <a:extLst>
               <a:ext uri="{28A0092B-C50C-407E-A947-70E740481C1C}">
                 <a14:useLocalDpi xmlns:a14="http://schemas.microsoft.com/office/drawing/2010/main" val="0"/>
@@ -8843,8 +8861,8 @@
         </p:nvSpPr>
         <p:spPr>
           <a:xfrm>
-            <a:off x="948099" y="1355649"/>
-            <a:ext cx="8837169" cy="3970318"/>
+            <a:off x="683694" y="1176459"/>
+            <a:ext cx="8837169" cy="4832092"/>
           </a:xfrm>
           <a:prstGeom prst="rect">
             <a:avLst/>
@@ -8863,15 +8881,41 @@
                   <a:srgbClr val="0070C0"/>
                 </a:solidFill>
               </a:rPr>
-              <a:t>Research data repositories are online repositories that enable the preservation, curation and publication of research ‘products’:</a:t>
-            </a:r>
-            <a:endParaRPr lang="pl-PL" sz="2800" dirty="0">
-              <a:solidFill>
-                <a:srgbClr val="0070C0"/>
-              </a:solidFill>
-            </a:endParaRPr>
-          </a:p>
-          <a:p>
+              <a:t>Research data repositories are online </a:t>
+            </a:r>
+            <a:r>
+              <a:rPr lang="en-GB" sz="2800" dirty="0" smtClean="0">
+                <a:solidFill>
+                  <a:srgbClr val="0070C0"/>
+                </a:solidFill>
+              </a:rPr>
+              <a:t>databases </a:t>
+            </a:r>
+            <a:r>
+              <a:rPr lang="en-GB" sz="2800" dirty="0">
+                <a:solidFill>
+                  <a:srgbClr val="0070C0"/>
+                </a:solidFill>
+              </a:rPr>
+              <a:t>that enable the preservation, curation and publication of research ‘products’:</a:t>
+            </a:r>
+          </a:p>
+          <a:p>
+            <a:pPr marL="457200" indent="-457200">
+              <a:lnSpc>
+                <a:spcPct val="200000"/>
+              </a:lnSpc>
+              <a:buFont typeface="Arial" panose="020B0604020202020204" pitchFamily="34" charset="0"/>
+              <a:buChar char="•"/>
+            </a:pPr>
+            <a:r>
+              <a:rPr lang="pl-PL" sz="2800" dirty="0">
+                <a:solidFill>
+                  <a:srgbClr val="0070C0"/>
+                </a:solidFill>
+              </a:rPr>
+              <a:t>data</a:t>
+            </a:r>
             <a:endParaRPr lang="en-GB" sz="2800" dirty="0">
               <a:solidFill>
                 <a:srgbClr val="0070C0"/>
@@ -8880,6 +8924,9 @@
           </a:p>
           <a:p>
             <a:pPr marL="457200" indent="-457200">
+              <a:lnSpc>
+                <a:spcPct val="200000"/>
+              </a:lnSpc>
               <a:buFont typeface="Arial" panose="020B0604020202020204" pitchFamily="34" charset="0"/>
               <a:buChar char="•"/>
             </a:pPr>
@@ -8889,59 +8936,50 @@
                   <a:srgbClr val="0070C0"/>
                 </a:solidFill>
               </a:rPr>
-              <a:t>data</a:t>
-            </a:r>
-            <a:endParaRPr lang="en-GB" sz="2800" dirty="0">
-              <a:solidFill>
-                <a:srgbClr val="0070C0"/>
-              </a:solidFill>
-            </a:endParaRPr>
+              <a:t>code</a:t>
+            </a:r>
           </a:p>
           <a:p>
             <a:pPr marL="457200" indent="-457200">
+              <a:lnSpc>
+                <a:spcPct val="200000"/>
+              </a:lnSpc>
               <a:buFont typeface="Arial" panose="020B0604020202020204" pitchFamily="34" charset="0"/>
               <a:buChar char="•"/>
             </a:pPr>
             <a:r>
-              <a:rPr lang="pl-PL" sz="2800" dirty="0">
-                <a:solidFill>
-                  <a:srgbClr val="0070C0"/>
-                </a:solidFill>
-              </a:rPr>
-              <a:t>code</a:t>
+              <a:rPr lang="en-GB" sz="2800" dirty="0" smtClean="0">
+                <a:solidFill>
+                  <a:srgbClr val="0070C0"/>
+                </a:solidFill>
+              </a:rPr>
+              <a:t>p</a:t>
+            </a:r>
+            <a:r>
+              <a:rPr lang="pl-PL" sz="2800" dirty="0" smtClean="0">
+                <a:solidFill>
+                  <a:srgbClr val="0070C0"/>
+                </a:solidFill>
+              </a:rPr>
+              <a:t>rotocols</a:t>
             </a:r>
           </a:p>
           <a:p>
             <a:pPr marL="457200" indent="-457200">
+              <a:lnSpc>
+                <a:spcPct val="200000"/>
+              </a:lnSpc>
               <a:buFont typeface="Arial" panose="020B0604020202020204" pitchFamily="34" charset="0"/>
               <a:buChar char="•"/>
             </a:pPr>
             <a:r>
-              <a:rPr lang="pl-PL" sz="2800" dirty="0">
-                <a:solidFill>
-                  <a:srgbClr val="0070C0"/>
-                </a:solidFill>
-              </a:rPr>
-              <a:t>protocols</a:t>
-            </a:r>
-            <a:endParaRPr lang="en-GB" sz="2800" dirty="0">
-              <a:solidFill>
-                <a:srgbClr val="0070C0"/>
-              </a:solidFill>
-            </a:endParaRPr>
-          </a:p>
-          <a:p>
-            <a:pPr marL="457200" indent="-457200">
-              <a:buFont typeface="Arial" panose="020B0604020202020204" pitchFamily="34" charset="0"/>
-              <a:buChar char="•"/>
-            </a:pPr>
-            <a:endParaRPr lang="en-GB" sz="2800" dirty="0">
-              <a:solidFill>
-                <a:srgbClr val="0070C0"/>
-              </a:solidFill>
-            </a:endParaRPr>
-          </a:p>
-          <a:p>
+              <a:rPr lang="en-GB" sz="2800" dirty="0" smtClean="0">
+                <a:solidFill>
+                  <a:srgbClr val="0070C0"/>
+                </a:solidFill>
+              </a:rPr>
+              <a:t>description of biological materials</a:t>
+            </a:r>
             <a:endParaRPr lang="en-GB" sz="2800" dirty="0">
               <a:solidFill>
                 <a:srgbClr val="0070C0"/>
@@ -8965,13 +9003,13 @@
           <p:nvPr/>
         </p:nvPicPr>
         <p:blipFill>
-          <a:blip r:embed="rId2">
+          <a:blip r:embed="rId2" cstate="hqprint">
             <a:extLst>
               <a:ext uri="{28A0092B-C50C-407E-A947-70E740481C1C}">
                 <a14:useLocalDpi xmlns:a14="http://schemas.microsoft.com/office/drawing/2010/main" val="0"/>
               </a:ext>
               <a:ext uri="{96DAC541-7B7A-43D3-8B79-37D633B846F1}">
-                <asvg:svgBlip xmlns:asvg="http://schemas.microsoft.com/office/drawing/2016/SVG/main" r:embed="rId3"/>
+                <asvg:svgBlip xmlns:asvg="http://schemas.microsoft.com/office/drawing/2016/SVG/main" xmlns="" r:embed="rId3"/>
               </a:ext>
             </a:extLst>
           </a:blip>
@@ -8981,8 +9019,8 @@
         </p:blipFill>
         <p:spPr>
           <a:xfrm>
-            <a:off x="3027845" y="2794705"/>
-            <a:ext cx="634295" cy="634295"/>
+            <a:off x="3037140" y="2318806"/>
+            <a:ext cx="1273699" cy="1273699"/>
           </a:xfrm>
           <a:prstGeom prst="rect">
             <a:avLst/>
@@ -9004,13 +9042,13 @@
           <p:nvPr/>
         </p:nvPicPr>
         <p:blipFill>
-          <a:blip r:embed="rId4">
+          <a:blip r:embed="rId4" cstate="hqprint">
             <a:extLst>
               <a:ext uri="{28A0092B-C50C-407E-A947-70E740481C1C}">
                 <a14:useLocalDpi xmlns:a14="http://schemas.microsoft.com/office/drawing/2010/main" val="0"/>
               </a:ext>
               <a:ext uri="{96DAC541-7B7A-43D3-8B79-37D633B846F1}">
-                <asvg:svgBlip xmlns:asvg="http://schemas.microsoft.com/office/drawing/2016/SVG/main" r:embed="rId5"/>
+                <asvg:svgBlip xmlns:asvg="http://schemas.microsoft.com/office/drawing/2016/SVG/main" xmlns="" r:embed="rId5"/>
               </a:ext>
             </a:extLst>
           </a:blip>
@@ -9020,8 +9058,8 @@
         </p:blipFill>
         <p:spPr>
           <a:xfrm>
-            <a:off x="2952667" y="3340808"/>
-            <a:ext cx="709473" cy="709473"/>
+            <a:off x="4550941" y="2955655"/>
+            <a:ext cx="1527248" cy="1527248"/>
           </a:xfrm>
           <a:prstGeom prst="rect">
             <a:avLst/>
@@ -9043,13 +9081,13 @@
           <p:nvPr/>
         </p:nvPicPr>
         <p:blipFill>
-          <a:blip r:embed="rId6">
+          <a:blip r:embed="rId6" cstate="hqprint">
             <a:extLst>
               <a:ext uri="{28A0092B-C50C-407E-A947-70E740481C1C}">
                 <a14:useLocalDpi xmlns:a14="http://schemas.microsoft.com/office/drawing/2010/main" val="0"/>
               </a:ext>
               <a:ext uri="{96DAC541-7B7A-43D3-8B79-37D633B846F1}">
-                <asvg:svgBlip xmlns:asvg="http://schemas.microsoft.com/office/drawing/2016/SVG/main" r:embed="rId7"/>
+                <asvg:svgBlip xmlns:asvg="http://schemas.microsoft.com/office/drawing/2016/SVG/main" xmlns="" r:embed="rId7"/>
               </a:ext>
             </a:extLst>
           </a:blip>
@@ -9059,8 +9097,38 @@
         </p:blipFill>
         <p:spPr>
           <a:xfrm>
-            <a:off x="3662140" y="3735321"/>
-            <a:ext cx="709473" cy="709473"/>
+            <a:off x="3344079" y="4054627"/>
+            <a:ext cx="1287440" cy="1287440"/>
+          </a:xfrm>
+          <a:prstGeom prst="rect">
+            <a:avLst/>
+          </a:prstGeom>
+        </p:spPr>
+      </p:pic>
+      <p:pic>
+        <p:nvPicPr>
+          <p:cNvPr id="2" name="Picture 1"/>
+          <p:cNvPicPr>
+            <a:picLocks noChangeAspect="1"/>
+          </p:cNvPicPr>
+          <p:nvPr/>
+        </p:nvPicPr>
+        <p:blipFill>
+          <a:blip r:embed="rId8">
+            <a:extLst>
+              <a:ext uri="{28A0092B-C50C-407E-A947-70E740481C1C}">
+                <a14:useLocalDpi xmlns:a14="http://schemas.microsoft.com/office/drawing/2010/main" val="0"/>
+              </a:ext>
+            </a:extLst>
+          </a:blip>
+          <a:stretch>
+            <a:fillRect/>
+          </a:stretch>
+        </p:blipFill>
+        <p:spPr>
+          <a:xfrm>
+            <a:off x="6236656" y="4482903"/>
+            <a:ext cx="1562870" cy="1562870"/>
           </a:xfrm>
           <a:prstGeom prst="rect">
             <a:avLst/>
@@ -9070,7 +9138,7 @@
     </p:spTree>
     <p:extLst>
       <p:ext uri="{BB962C8B-B14F-4D97-AF65-F5344CB8AC3E}">
-        <p14:creationId xmlns:p14="http://schemas.microsoft.com/office/powerpoint/2010/main" val="4286087962"/>
+        <p14:creationId xmlns:p14="http://schemas.microsoft.com/office/powerpoint/2010/main" val="4119823349"/>
       </p:ext>
     </p:extLst>
   </p:cSld>
@@ -9515,7 +9583,7 @@
           <p:nvPr/>
         </p:nvPicPr>
         <p:blipFill>
-          <a:blip r:embed="rId8">
+          <a:blip r:embed="rId8" cstate="hqprint">
             <a:extLst>
               <a:ext uri="{28A0092B-C50C-407E-A947-70E740481C1C}">
                 <a14:useLocalDpi xmlns:a14="http://schemas.microsoft.com/office/drawing/2010/main" val="0"/>
@@ -9562,7 +9630,7 @@
           <p:nvPr/>
         </p:nvPicPr>
         <p:blipFill>
-          <a:blip r:embed="rId9">
+          <a:blip r:embed="rId9" cstate="hqprint">
             <a:extLst>
               <a:ext uri="{28A0092B-C50C-407E-A947-70E740481C1C}">
                 <a14:useLocalDpi xmlns:a14="http://schemas.microsoft.com/office/drawing/2010/main" val="0"/>
@@ -10039,7 +10107,7 @@
           <p:nvPr/>
         </p:nvPicPr>
         <p:blipFill>
-          <a:blip r:embed="rId5">
+          <a:blip r:embed="rId5" cstate="hqprint">
             <a:extLst>
               <a:ext uri="{28A0092B-C50C-407E-A947-70E740481C1C}">
                 <a14:useLocalDpi xmlns:a14="http://schemas.microsoft.com/office/drawing/2010/main" val="0"/>
